--- a/docs/diagrams/TaskDateTimeClassDiagram.pptx
+++ b/docs/diagrams/TaskDateTimeClassDiagram.pptx
@@ -53,7 +53,7 @@
       </p:grpSpPr>
       <p:sp>
         <p:nvSpPr>
-          <p:cNvPr id="21" name="PlaceHolder 1"/>
+          <p:cNvPr id="23" name="PlaceHolder 1"/>
           <p:cNvSpPr>
             <a:spLocks noGrp="1"/>
           </p:cNvSpPr>
@@ -90,7 +90,7 @@
       </p:sp>
       <p:sp>
         <p:nvSpPr>
-          <p:cNvPr id="22" name="PlaceHolder 2"/>
+          <p:cNvPr id="24" name="PlaceHolder 2"/>
           <p:cNvSpPr>
             <a:spLocks noGrp="1"/>
           </p:cNvSpPr>
@@ -126,7 +126,7 @@
       </p:sp>
       <p:sp>
         <p:nvSpPr>
-          <p:cNvPr id="23" name="PlaceHolder 3"/>
+          <p:cNvPr id="25" name="PlaceHolder 3"/>
           <p:cNvSpPr>
             <a:spLocks noGrp="1"/>
           </p:cNvSpPr>
@@ -184,7 +184,7 @@
       </p:grpSpPr>
       <p:sp>
         <p:nvSpPr>
-          <p:cNvPr id="24" name="PlaceHolder 1"/>
+          <p:cNvPr id="26" name="PlaceHolder 1"/>
           <p:cNvSpPr>
             <a:spLocks noGrp="1"/>
           </p:cNvSpPr>
@@ -221,7 +221,7 @@
       </p:sp>
       <p:sp>
         <p:nvSpPr>
-          <p:cNvPr id="25" name="PlaceHolder 2"/>
+          <p:cNvPr id="27" name="PlaceHolder 2"/>
           <p:cNvSpPr>
             <a:spLocks noGrp="1"/>
           </p:cNvSpPr>
@@ -257,7 +257,7 @@
       </p:sp>
       <p:sp>
         <p:nvSpPr>
-          <p:cNvPr id="26" name="PlaceHolder 3"/>
+          <p:cNvPr id="28" name="PlaceHolder 3"/>
           <p:cNvSpPr>
             <a:spLocks noGrp="1"/>
           </p:cNvSpPr>
@@ -293,7 +293,7 @@
       </p:sp>
       <p:sp>
         <p:nvSpPr>
-          <p:cNvPr id="27" name="PlaceHolder 4"/>
+          <p:cNvPr id="29" name="PlaceHolder 4"/>
           <p:cNvSpPr>
             <a:spLocks noGrp="1"/>
           </p:cNvSpPr>
@@ -329,7 +329,7 @@
       </p:sp>
       <p:sp>
         <p:nvSpPr>
-          <p:cNvPr id="28" name="PlaceHolder 5"/>
+          <p:cNvPr id="30" name="PlaceHolder 5"/>
           <p:cNvSpPr>
             <a:spLocks noGrp="1"/>
           </p:cNvSpPr>
@@ -387,7 +387,7 @@
       </p:grpSpPr>
       <p:sp>
         <p:nvSpPr>
-          <p:cNvPr id="29" name="PlaceHolder 1"/>
+          <p:cNvPr id="31" name="PlaceHolder 1"/>
           <p:cNvSpPr>
             <a:spLocks noGrp="1"/>
           </p:cNvSpPr>
@@ -424,7 +424,7 @@
       </p:sp>
       <p:sp>
         <p:nvSpPr>
-          <p:cNvPr id="30" name="PlaceHolder 2"/>
+          <p:cNvPr id="32" name="PlaceHolder 2"/>
           <p:cNvSpPr>
             <a:spLocks noGrp="1"/>
           </p:cNvSpPr>
@@ -460,7 +460,7 @@
       </p:sp>
       <p:sp>
         <p:nvSpPr>
-          <p:cNvPr id="31" name="PlaceHolder 3"/>
+          <p:cNvPr id="33" name="PlaceHolder 3"/>
           <p:cNvSpPr>
             <a:spLocks noGrp="1"/>
           </p:cNvSpPr>
@@ -496,7 +496,7 @@
       </p:sp>
       <p:pic>
         <p:nvPicPr>
-          <p:cNvPr id="32" name="" descr=""/>
+          <p:cNvPr id="34" name="" descr=""/>
           <p:cNvPicPr/>
           <p:nvPr/>
         </p:nvPicPr>
@@ -519,7 +519,7 @@
       </p:pic>
       <p:pic>
         <p:nvPicPr>
-          <p:cNvPr id="33" name="" descr=""/>
+          <p:cNvPr id="35" name="" descr=""/>
           <p:cNvPicPr/>
           <p:nvPr/>
         </p:nvPicPr>
@@ -564,7 +564,7 @@
       </p:grpSpPr>
       <p:sp>
         <p:nvSpPr>
-          <p:cNvPr id="0" name="PlaceHolder 1"/>
+          <p:cNvPr id="2" name="PlaceHolder 1"/>
           <p:cNvSpPr>
             <a:spLocks noGrp="1"/>
           </p:cNvSpPr>
@@ -601,7 +601,7 @@
       </p:sp>
       <p:sp>
         <p:nvSpPr>
-          <p:cNvPr id="1" name="PlaceHolder 2"/>
+          <p:cNvPr id="3" name="PlaceHolder 2"/>
           <p:cNvSpPr>
             <a:spLocks noGrp="1"/>
           </p:cNvSpPr>
@@ -660,7 +660,7 @@
       </p:grpSpPr>
       <p:sp>
         <p:nvSpPr>
-          <p:cNvPr id="2" name="PlaceHolder 1"/>
+          <p:cNvPr id="4" name="PlaceHolder 1"/>
           <p:cNvSpPr>
             <a:spLocks noGrp="1"/>
           </p:cNvSpPr>
@@ -697,7 +697,7 @@
       </p:sp>
       <p:sp>
         <p:nvSpPr>
-          <p:cNvPr id="3" name="PlaceHolder 2"/>
+          <p:cNvPr id="5" name="PlaceHolder 2"/>
           <p:cNvSpPr>
             <a:spLocks noGrp="1"/>
           </p:cNvSpPr>
@@ -755,7 +755,7 @@
       </p:grpSpPr>
       <p:sp>
         <p:nvSpPr>
-          <p:cNvPr id="4" name="PlaceHolder 1"/>
+          <p:cNvPr id="6" name="PlaceHolder 1"/>
           <p:cNvSpPr>
             <a:spLocks noGrp="1"/>
           </p:cNvSpPr>
@@ -792,7 +792,7 @@
       </p:sp>
       <p:sp>
         <p:nvSpPr>
-          <p:cNvPr id="5" name="PlaceHolder 2"/>
+          <p:cNvPr id="7" name="PlaceHolder 2"/>
           <p:cNvSpPr>
             <a:spLocks noGrp="1"/>
           </p:cNvSpPr>
@@ -828,7 +828,7 @@
       </p:sp>
       <p:sp>
         <p:nvSpPr>
-          <p:cNvPr id="6" name="PlaceHolder 3"/>
+          <p:cNvPr id="8" name="PlaceHolder 3"/>
           <p:cNvSpPr>
             <a:spLocks noGrp="1"/>
           </p:cNvSpPr>
@@ -886,7 +886,7 @@
       </p:grpSpPr>
       <p:sp>
         <p:nvSpPr>
-          <p:cNvPr id="7" name="PlaceHolder 1"/>
+          <p:cNvPr id="9" name="PlaceHolder 1"/>
           <p:cNvSpPr>
             <a:spLocks noGrp="1"/>
           </p:cNvSpPr>
@@ -945,7 +945,7 @@
       </p:grpSpPr>
       <p:sp>
         <p:nvSpPr>
-          <p:cNvPr id="8" name="PlaceHolder 1"/>
+          <p:cNvPr id="10" name="PlaceHolder 1"/>
           <p:cNvSpPr>
             <a:spLocks noGrp="1"/>
           </p:cNvSpPr>
@@ -1004,7 +1004,7 @@
       </p:grpSpPr>
       <p:sp>
         <p:nvSpPr>
-          <p:cNvPr id="9" name="PlaceHolder 1"/>
+          <p:cNvPr id="11" name="PlaceHolder 1"/>
           <p:cNvSpPr>
             <a:spLocks noGrp="1"/>
           </p:cNvSpPr>
@@ -1041,7 +1041,7 @@
       </p:sp>
       <p:sp>
         <p:nvSpPr>
-          <p:cNvPr id="10" name="PlaceHolder 2"/>
+          <p:cNvPr id="12" name="PlaceHolder 2"/>
           <p:cNvSpPr>
             <a:spLocks noGrp="1"/>
           </p:cNvSpPr>
@@ -1077,7 +1077,7 @@
       </p:sp>
       <p:sp>
         <p:nvSpPr>
-          <p:cNvPr id="11" name="PlaceHolder 3"/>
+          <p:cNvPr id="13" name="PlaceHolder 3"/>
           <p:cNvSpPr>
             <a:spLocks noGrp="1"/>
           </p:cNvSpPr>
@@ -1113,7 +1113,7 @@
       </p:sp>
       <p:sp>
         <p:nvSpPr>
-          <p:cNvPr id="12" name="PlaceHolder 4"/>
+          <p:cNvPr id="14" name="PlaceHolder 4"/>
           <p:cNvSpPr>
             <a:spLocks noGrp="1"/>
           </p:cNvSpPr>
@@ -1171,7 +1171,7 @@
       </p:grpSpPr>
       <p:sp>
         <p:nvSpPr>
-          <p:cNvPr id="13" name="PlaceHolder 1"/>
+          <p:cNvPr id="15" name="PlaceHolder 1"/>
           <p:cNvSpPr>
             <a:spLocks noGrp="1"/>
           </p:cNvSpPr>
@@ -1208,7 +1208,7 @@
       </p:sp>
       <p:sp>
         <p:nvSpPr>
-          <p:cNvPr id="14" name="PlaceHolder 2"/>
+          <p:cNvPr id="16" name="PlaceHolder 2"/>
           <p:cNvSpPr>
             <a:spLocks noGrp="1"/>
           </p:cNvSpPr>
@@ -1244,7 +1244,7 @@
       </p:sp>
       <p:sp>
         <p:nvSpPr>
-          <p:cNvPr id="15" name="PlaceHolder 3"/>
+          <p:cNvPr id="17" name="PlaceHolder 3"/>
           <p:cNvSpPr>
             <a:spLocks noGrp="1"/>
           </p:cNvSpPr>
@@ -1280,7 +1280,7 @@
       </p:sp>
       <p:sp>
         <p:nvSpPr>
-          <p:cNvPr id="16" name="PlaceHolder 4"/>
+          <p:cNvPr id="18" name="PlaceHolder 4"/>
           <p:cNvSpPr>
             <a:spLocks noGrp="1"/>
           </p:cNvSpPr>
@@ -1338,7 +1338,7 @@
       </p:grpSpPr>
       <p:sp>
         <p:nvSpPr>
-          <p:cNvPr id="17" name="PlaceHolder 1"/>
+          <p:cNvPr id="19" name="PlaceHolder 1"/>
           <p:cNvSpPr>
             <a:spLocks noGrp="1"/>
           </p:cNvSpPr>
@@ -1375,7 +1375,7 @@
       </p:sp>
       <p:sp>
         <p:nvSpPr>
-          <p:cNvPr id="18" name="PlaceHolder 2"/>
+          <p:cNvPr id="20" name="PlaceHolder 2"/>
           <p:cNvSpPr>
             <a:spLocks noGrp="1"/>
           </p:cNvSpPr>
@@ -1411,7 +1411,7 @@
       </p:sp>
       <p:sp>
         <p:nvSpPr>
-          <p:cNvPr id="19" name="PlaceHolder 3"/>
+          <p:cNvPr id="21" name="PlaceHolder 3"/>
           <p:cNvSpPr>
             <a:spLocks noGrp="1"/>
           </p:cNvSpPr>
@@ -1447,7 +1447,7 @@
       </p:sp>
       <p:sp>
         <p:nvSpPr>
-          <p:cNvPr id="20" name="PlaceHolder 4"/>
+          <p:cNvPr id="22" name="PlaceHolder 4"/>
           <p:cNvSpPr>
             <a:spLocks noGrp="1"/>
           </p:cNvSpPr>
@@ -1510,6 +1510,325 @@
           <a:chExt cx="0" cy="0"/>
         </a:xfrm>
       </p:grpSpPr>
+      <p:sp>
+        <p:nvSpPr>
+          <p:cNvPr id="0" name="PlaceHolder 1"/>
+          <p:cNvSpPr>
+            <a:spLocks noGrp="1"/>
+          </p:cNvSpPr>
+          <p:nvPr>
+            <p:ph type="title"/>
+          </p:nvPr>
+        </p:nvSpPr>
+        <p:spPr>
+          <a:xfrm>
+            <a:off x="457200" y="273600"/>
+            <a:ext cx="8229240" cy="1144800"/>
+          </a:xfrm>
+          <a:prstGeom prst="rect">
+            <a:avLst/>
+          </a:prstGeom>
+        </p:spPr>
+        <p:txBody>
+          <a:bodyPr lIns="0" rIns="0" tIns="0" bIns="0" anchor="ctr"/>
+          <a:p>
+            <a:pPr algn="ctr"/>
+            <a:r>
+              <a:rPr b="0" lang="en-US" sz="4400" spc="-1" strike="noStrike">
+                <a:solidFill>
+                  <a:srgbClr val="000000"/>
+                </a:solidFill>
+                <a:uFill>
+                  <a:solidFill>
+                    <a:srgbClr val="ffffff"/>
+                  </a:solidFill>
+                </a:uFill>
+                <a:latin typeface="Arial"/>
+              </a:rPr>
+              <a:t>Click to edit the title text format</a:t>
+            </a:r>
+            <a:endParaRPr b="0" lang="en-US" sz="4400" spc="-1" strike="noStrike">
+              <a:solidFill>
+                <a:srgbClr val="000000"/>
+              </a:solidFill>
+              <a:uFill>
+                <a:solidFill>
+                  <a:srgbClr val="ffffff"/>
+                </a:solidFill>
+              </a:uFill>
+              <a:latin typeface="Arial"/>
+            </a:endParaRPr>
+          </a:p>
+        </p:txBody>
+      </p:sp>
+      <p:sp>
+        <p:nvSpPr>
+          <p:cNvPr id="1" name="PlaceHolder 2"/>
+          <p:cNvSpPr>
+            <a:spLocks noGrp="1"/>
+          </p:cNvSpPr>
+          <p:nvPr>
+            <p:ph type="body"/>
+          </p:nvPr>
+        </p:nvSpPr>
+        <p:spPr>
+          <a:xfrm>
+            <a:off x="457200" y="1604520"/>
+            <a:ext cx="8229240" cy="3977280"/>
+          </a:xfrm>
+          <a:prstGeom prst="rect">
+            <a:avLst/>
+          </a:prstGeom>
+        </p:spPr>
+        <p:txBody>
+          <a:bodyPr lIns="0" rIns="0" tIns="0" bIns="0"/>
+          <a:p>
+            <a:pPr marL="432000" indent="-324000">
+              <a:buClr>
+                <a:srgbClr val="000000"/>
+              </a:buClr>
+              <a:buSzPct val="45000"/>
+              <a:buFont typeface="Wingdings" charset="2"/>
+              <a:buChar char=""/>
+            </a:pPr>
+            <a:r>
+              <a:rPr b="0" lang="en-US" sz="3200" spc="-1" strike="noStrike">
+                <a:solidFill>
+                  <a:srgbClr val="000000"/>
+                </a:solidFill>
+                <a:uFill>
+                  <a:solidFill>
+                    <a:srgbClr val="ffffff"/>
+                  </a:solidFill>
+                </a:uFill>
+                <a:latin typeface="Arial"/>
+              </a:rPr>
+              <a:t>Click to edit the outline text format</a:t>
+            </a:r>
+            <a:endParaRPr b="0" lang="en-US" sz="3200" spc="-1" strike="noStrike">
+              <a:solidFill>
+                <a:srgbClr val="000000"/>
+              </a:solidFill>
+              <a:uFill>
+                <a:solidFill>
+                  <a:srgbClr val="ffffff"/>
+                </a:solidFill>
+              </a:uFill>
+              <a:latin typeface="Arial"/>
+            </a:endParaRPr>
+          </a:p>
+          <a:p>
+            <a:pPr lvl="1" marL="864000" indent="-324000">
+              <a:buClr>
+                <a:srgbClr val="000000"/>
+              </a:buClr>
+              <a:buSzPct val="75000"/>
+              <a:buFont typeface="Symbol" charset="2"/>
+              <a:buChar char=""/>
+            </a:pPr>
+            <a:r>
+              <a:rPr b="0" lang="en-US" sz="2800" spc="-1" strike="noStrike">
+                <a:solidFill>
+                  <a:srgbClr val="000000"/>
+                </a:solidFill>
+                <a:uFill>
+                  <a:solidFill>
+                    <a:srgbClr val="ffffff"/>
+                  </a:solidFill>
+                </a:uFill>
+                <a:latin typeface="Arial"/>
+              </a:rPr>
+              <a:t>Second Outline Level</a:t>
+            </a:r>
+            <a:endParaRPr b="0" lang="en-US" sz="2800" spc="-1" strike="noStrike">
+              <a:solidFill>
+                <a:srgbClr val="000000"/>
+              </a:solidFill>
+              <a:uFill>
+                <a:solidFill>
+                  <a:srgbClr val="ffffff"/>
+                </a:solidFill>
+              </a:uFill>
+              <a:latin typeface="Arial"/>
+            </a:endParaRPr>
+          </a:p>
+          <a:p>
+            <a:pPr lvl="2" marL="1296000" indent="-288000">
+              <a:buClr>
+                <a:srgbClr val="000000"/>
+              </a:buClr>
+              <a:buSzPct val="45000"/>
+              <a:buFont typeface="Wingdings" charset="2"/>
+              <a:buChar char=""/>
+            </a:pPr>
+            <a:r>
+              <a:rPr b="0" lang="en-US" sz="2400" spc="-1" strike="noStrike">
+                <a:solidFill>
+                  <a:srgbClr val="000000"/>
+                </a:solidFill>
+                <a:uFill>
+                  <a:solidFill>
+                    <a:srgbClr val="ffffff"/>
+                  </a:solidFill>
+                </a:uFill>
+                <a:latin typeface="Arial"/>
+              </a:rPr>
+              <a:t>Third Outline Level</a:t>
+            </a:r>
+            <a:endParaRPr b="0" lang="en-US" sz="2400" spc="-1" strike="noStrike">
+              <a:solidFill>
+                <a:srgbClr val="000000"/>
+              </a:solidFill>
+              <a:uFill>
+                <a:solidFill>
+                  <a:srgbClr val="ffffff"/>
+                </a:solidFill>
+              </a:uFill>
+              <a:latin typeface="Arial"/>
+            </a:endParaRPr>
+          </a:p>
+          <a:p>
+            <a:pPr lvl="3" marL="1728000" indent="-216000">
+              <a:buClr>
+                <a:srgbClr val="000000"/>
+              </a:buClr>
+              <a:buSzPct val="75000"/>
+              <a:buFont typeface="Symbol" charset="2"/>
+              <a:buChar char=""/>
+            </a:pPr>
+            <a:r>
+              <a:rPr b="0" lang="en-US" sz="2000" spc="-1" strike="noStrike">
+                <a:solidFill>
+                  <a:srgbClr val="000000"/>
+                </a:solidFill>
+                <a:uFill>
+                  <a:solidFill>
+                    <a:srgbClr val="ffffff"/>
+                  </a:solidFill>
+                </a:uFill>
+                <a:latin typeface="Arial"/>
+              </a:rPr>
+              <a:t>Fourth Outline Level</a:t>
+            </a:r>
+            <a:endParaRPr b="0" lang="en-US" sz="2000" spc="-1" strike="noStrike">
+              <a:solidFill>
+                <a:srgbClr val="000000"/>
+              </a:solidFill>
+              <a:uFill>
+                <a:solidFill>
+                  <a:srgbClr val="ffffff"/>
+                </a:solidFill>
+              </a:uFill>
+              <a:latin typeface="Arial"/>
+            </a:endParaRPr>
+          </a:p>
+          <a:p>
+            <a:pPr lvl="4" marL="2160000" indent="-216000">
+              <a:buClr>
+                <a:srgbClr val="000000"/>
+              </a:buClr>
+              <a:buSzPct val="45000"/>
+              <a:buFont typeface="Wingdings" charset="2"/>
+              <a:buChar char=""/>
+            </a:pPr>
+            <a:r>
+              <a:rPr b="0" lang="en-US" sz="2000" spc="-1" strike="noStrike">
+                <a:solidFill>
+                  <a:srgbClr val="000000"/>
+                </a:solidFill>
+                <a:uFill>
+                  <a:solidFill>
+                    <a:srgbClr val="ffffff"/>
+                  </a:solidFill>
+                </a:uFill>
+                <a:latin typeface="Arial"/>
+              </a:rPr>
+              <a:t>Fifth Outline Level</a:t>
+            </a:r>
+            <a:endParaRPr b="0" lang="en-US" sz="2000" spc="-1" strike="noStrike">
+              <a:solidFill>
+                <a:srgbClr val="000000"/>
+              </a:solidFill>
+              <a:uFill>
+                <a:solidFill>
+                  <a:srgbClr val="ffffff"/>
+                </a:solidFill>
+              </a:uFill>
+              <a:latin typeface="Arial"/>
+            </a:endParaRPr>
+          </a:p>
+          <a:p>
+            <a:pPr lvl="5" marL="2592000" indent="-216000">
+              <a:buClr>
+                <a:srgbClr val="000000"/>
+              </a:buClr>
+              <a:buSzPct val="45000"/>
+              <a:buFont typeface="Wingdings" charset="2"/>
+              <a:buChar char=""/>
+            </a:pPr>
+            <a:r>
+              <a:rPr b="0" lang="en-US" sz="2000" spc="-1" strike="noStrike">
+                <a:solidFill>
+                  <a:srgbClr val="000000"/>
+                </a:solidFill>
+                <a:uFill>
+                  <a:solidFill>
+                    <a:srgbClr val="ffffff"/>
+                  </a:solidFill>
+                </a:uFill>
+                <a:latin typeface="Arial"/>
+              </a:rPr>
+              <a:t>Sixth Outline Level</a:t>
+            </a:r>
+            <a:endParaRPr b="0" lang="en-US" sz="2000" spc="-1" strike="noStrike">
+              <a:solidFill>
+                <a:srgbClr val="000000"/>
+              </a:solidFill>
+              <a:uFill>
+                <a:solidFill>
+                  <a:srgbClr val="ffffff"/>
+                </a:solidFill>
+              </a:uFill>
+              <a:latin typeface="Arial"/>
+            </a:endParaRPr>
+          </a:p>
+          <a:p>
+            <a:pPr lvl="6" marL="3024000" indent="-216000">
+              <a:buClr>
+                <a:srgbClr val="000000"/>
+              </a:buClr>
+              <a:buSzPct val="45000"/>
+              <a:buFont typeface="Wingdings" charset="2"/>
+              <a:buChar char=""/>
+            </a:pPr>
+            <a:r>
+              <a:rPr b="0" lang="en-US" sz="2000" spc="-1" strike="noStrike">
+                <a:solidFill>
+                  <a:srgbClr val="000000"/>
+                </a:solidFill>
+                <a:uFill>
+                  <a:solidFill>
+                    <a:srgbClr val="ffffff"/>
+                  </a:solidFill>
+                </a:uFill>
+                <a:latin typeface="Arial"/>
+              </a:rPr>
+              <a:t>Seventh Outline Level</a:t>
+            </a:r>
+            <a:endParaRPr b="0" lang="en-US" sz="2000" spc="-1" strike="noStrike">
+              <a:solidFill>
+                <a:srgbClr val="000000"/>
+              </a:solidFill>
+              <a:uFill>
+                <a:solidFill>
+                  <a:srgbClr val="ffffff"/>
+                </a:solidFill>
+              </a:uFill>
+              <a:latin typeface="Arial"/>
+            </a:endParaRPr>
+          </a:p>
+        </p:txBody>
+      </p:sp>
     </p:spTree>
   </p:cSld>
   <p:clrMap bg1="lt1" bg2="lt2" tx1="dk1" tx2="dk2" accent1="accent1" accent2="accent2" accent3="accent3" accent4="accent4" accent5="accent5" accent6="accent6" hlink="hlink" folHlink="folHlink"/>
@@ -1549,14 +1868,14 @@
       </p:grpSpPr>
       <p:sp>
         <p:nvSpPr>
-          <p:cNvPr id="34" name="CustomShape 1"/>
+          <p:cNvPr id="36" name="CustomShape 1"/>
           <p:cNvSpPr/>
           <p:nvPr/>
         </p:nvSpPr>
         <p:spPr>
           <a:xfrm>
             <a:off x="1120320" y="1747440"/>
-            <a:ext cx="7489080" cy="2995560"/>
+            <a:ext cx="7488720" cy="2995200"/>
           </a:xfrm>
           <a:prstGeom prst="roundRect">
             <a:avLst>
@@ -1631,14 +1950,14 @@
       </p:sp>
       <p:sp>
         <p:nvSpPr>
-          <p:cNvPr id="35" name="CustomShape 2"/>
+          <p:cNvPr id="37" name="CustomShape 2"/>
           <p:cNvSpPr/>
           <p:nvPr/>
         </p:nvSpPr>
         <p:spPr>
           <a:xfrm>
             <a:off x="1120320" y="1747440"/>
-            <a:ext cx="7489080" cy="2995560"/>
+            <a:ext cx="7488720" cy="2995200"/>
           </a:xfrm>
           <a:prstGeom prst="roundRect">
             <a:avLst>
@@ -1713,14 +2032,14 @@
       </p:sp>
       <p:sp>
         <p:nvSpPr>
-          <p:cNvPr id="36" name="CustomShape 3"/>
+          <p:cNvPr id="38" name="CustomShape 3"/>
           <p:cNvSpPr/>
           <p:nvPr/>
         </p:nvSpPr>
         <p:spPr>
           <a:xfrm>
             <a:off x="1463400" y="2956320"/>
-            <a:ext cx="1183320" cy="344880"/>
+            <a:ext cx="1182960" cy="344520"/>
           </a:xfrm>
           <a:prstGeom prst="rect">
             <a:avLst/>
@@ -1793,14 +2112,14 @@
       </p:sp>
       <p:sp>
         <p:nvSpPr>
-          <p:cNvPr id="37" name="CustomShape 4"/>
+          <p:cNvPr id="39" name="CustomShape 4"/>
           <p:cNvSpPr/>
           <p:nvPr/>
         </p:nvSpPr>
         <p:spPr>
           <a:xfrm>
             <a:off x="3911400" y="2975400"/>
-            <a:ext cx="1155240" cy="344880"/>
+            <a:ext cx="1154880" cy="344520"/>
           </a:xfrm>
           <a:prstGeom prst="rect">
             <a:avLst/>
@@ -1903,7 +2222,7 @@
       </p:sp>
       <p:sp>
         <p:nvSpPr>
-          <p:cNvPr id="38" name="Line 5"/>
+          <p:cNvPr id="40" name="Line 5"/>
           <p:cNvSpPr/>
           <p:nvPr/>
         </p:nvSpPr>
@@ -1930,14 +2249,14 @@
       </p:sp>
       <p:sp>
         <p:nvSpPr>
-          <p:cNvPr id="39" name="CustomShape 6"/>
+          <p:cNvPr id="41" name="CustomShape 6"/>
           <p:cNvSpPr/>
           <p:nvPr/>
         </p:nvSpPr>
         <p:spPr>
           <a:xfrm>
             <a:off x="5639400" y="2625480"/>
-            <a:ext cx="1155240" cy="344880"/>
+            <a:ext cx="1401480" cy="344520"/>
           </a:xfrm>
           <a:prstGeom prst="rect">
             <a:avLst/>
@@ -2007,14 +2326,14 @@
       </p:sp>
       <p:sp>
         <p:nvSpPr>
-          <p:cNvPr id="40" name="CustomShape 7"/>
+          <p:cNvPr id="42" name="CustomShape 7"/>
           <p:cNvSpPr/>
           <p:nvPr/>
         </p:nvSpPr>
         <p:spPr>
           <a:xfrm>
             <a:off x="5639400" y="3309480"/>
-            <a:ext cx="1155240" cy="344880"/>
+            <a:ext cx="1401480" cy="344520"/>
           </a:xfrm>
           <a:prstGeom prst="rect">
             <a:avLst/>
@@ -2084,14 +2403,14 @@
       </p:sp>
       <p:sp>
         <p:nvSpPr>
-          <p:cNvPr id="41" name="CustomShape 8"/>
+          <p:cNvPr id="43" name="CustomShape 8"/>
           <p:cNvSpPr/>
           <p:nvPr/>
         </p:nvSpPr>
         <p:spPr>
           <a:xfrm flipV="1" rot="5400000">
-            <a:off x="5032080" y="3073680"/>
-            <a:ext cx="268560" cy="173880"/>
+            <a:off x="5032440" y="3072960"/>
+            <a:ext cx="268200" cy="173520"/>
           </a:xfrm>
           <a:prstGeom prst="triangle">
             <a:avLst>
@@ -2130,14 +2449,14 @@
       </p:sp>
       <p:sp>
         <p:nvSpPr>
-          <p:cNvPr id="42" name="CustomShape 9"/>
+          <p:cNvPr id="44" name="CustomShape 9"/>
           <p:cNvSpPr/>
           <p:nvPr/>
         </p:nvSpPr>
         <p:spPr>
           <a:xfrm>
             <a:off x="7043400" y="1987560"/>
-            <a:ext cx="1155240" cy="344880"/>
+            <a:ext cx="1154880" cy="344520"/>
           </a:xfrm>
           <a:prstGeom prst="rect">
             <a:avLst/>
@@ -2207,14 +2526,14 @@
       </p:sp>
       <p:sp>
         <p:nvSpPr>
-          <p:cNvPr id="43" name="CustomShape 10"/>
+          <p:cNvPr id="45" name="CustomShape 10"/>
           <p:cNvSpPr/>
           <p:nvPr/>
         </p:nvSpPr>
         <p:spPr>
           <a:xfrm flipV="1" rot="10800000">
-            <a:off x="5629320" y="3128400"/>
-            <a:ext cx="385560" cy="362880"/>
+            <a:off x="5654880" y="3166560"/>
+            <a:ext cx="385200" cy="362520"/>
           </a:xfrm>
           <a:prstGeom prst="bentConnector3">
             <a:avLst>
@@ -2244,14 +2563,14 @@
       </p:sp>
       <p:sp>
         <p:nvSpPr>
-          <p:cNvPr id="44" name="CustomShape 11"/>
+          <p:cNvPr id="46" name="CustomShape 11"/>
           <p:cNvSpPr/>
           <p:nvPr/>
         </p:nvSpPr>
         <p:spPr>
           <a:xfrm rot="10800000">
-            <a:off x="5629320" y="3442680"/>
-            <a:ext cx="385560" cy="320040"/>
+            <a:off x="5654880" y="3474720"/>
+            <a:ext cx="385200" cy="319680"/>
           </a:xfrm>
           <a:prstGeom prst="bentConnector3">
             <a:avLst>
@@ -2281,14 +2600,14 @@
       </p:sp>
       <p:sp>
         <p:nvSpPr>
-          <p:cNvPr id="45" name="CustomShape 12"/>
+          <p:cNvPr id="47" name="CustomShape 12"/>
           <p:cNvSpPr/>
           <p:nvPr/>
         </p:nvSpPr>
         <p:spPr>
           <a:xfrm rot="5400000">
-            <a:off x="6976440" y="2152440"/>
-            <a:ext cx="464400" cy="825480"/>
+            <a:off x="7084800" y="2296440"/>
+            <a:ext cx="464040" cy="537120"/>
           </a:xfrm>
           <a:prstGeom prst="bentConnector2">
             <a:avLst/>
@@ -2299,7 +2618,7 @@
               <a:srgbClr val="7d5fa0"/>
             </a:solidFill>
             <a:custDash>
-              <a:ds d="600000" sp="500000"/>
+              <a:ds d="800000" sp="600000"/>
             </a:custDash>
             <a:round/>
             <a:tailEnd len="med" type="triangle" w="med"/>
@@ -2320,14 +2639,14 @@
       </p:sp>
       <p:sp>
         <p:nvSpPr>
-          <p:cNvPr id="46" name="CustomShape 13"/>
+          <p:cNvPr id="48" name="CustomShape 13"/>
           <p:cNvSpPr/>
           <p:nvPr/>
         </p:nvSpPr>
         <p:spPr>
           <a:xfrm rot="5400000">
-            <a:off x="6616800" y="2523600"/>
-            <a:ext cx="1195200" cy="813960"/>
+            <a:off x="6727320" y="2665800"/>
+            <a:ext cx="1194840" cy="529560"/>
           </a:xfrm>
           <a:prstGeom prst="bentConnector3">
             <a:avLst>
@@ -2340,7 +2659,7 @@
               <a:srgbClr val="7d5fa0"/>
             </a:solidFill>
             <a:custDash>
-              <a:ds d="600000" sp="500000"/>
+              <a:ds d="800000" sp="600000"/>
             </a:custDash>
             <a:round/>
             <a:tailEnd len="med" type="triangle" w="med"/>
@@ -2361,69 +2680,7 @@
       </p:sp>
       <p:sp>
         <p:nvSpPr>
-          <p:cNvPr id="47" name="CustomShape 14"/>
-          <p:cNvSpPr/>
-          <p:nvPr/>
-        </p:nvSpPr>
-        <p:spPr>
-          <a:xfrm rot="16200000">
-            <a:off x="7407000" y="2631960"/>
-            <a:ext cx="871560" cy="407160"/>
-          </a:xfrm>
-          <a:prstGeom prst="rect">
-            <a:avLst/>
-          </a:prstGeom>
-          <a:noFill/>
-          <a:ln>
-            <a:noFill/>
-          </a:ln>
-        </p:spPr>
-        <p:style>
-          <a:lnRef idx="0"/>
-          <a:fillRef idx="0"/>
-          <a:effectRef idx="0"/>
-          <a:fontRef idx="minor"/>
-        </p:style>
-        <p:txBody>
-          <a:bodyPr lIns="90000" rIns="90000" tIns="45000" bIns="45000"/>
-          <a:p>
-            <a:pPr algn="r">
-              <a:lnSpc>
-                <a:spcPct val="100000"/>
-              </a:lnSpc>
-            </a:pPr>
-            <a:r>
-              <a:rPr b="0" lang="en-US" sz="1100" spc="-1" strike="noStrike">
-                <a:solidFill>
-                  <a:srgbClr val="7030a0"/>
-                </a:solidFill>
-                <a:uFill>
-                  <a:solidFill>
-                    <a:srgbClr val="ffffff"/>
-                  </a:solidFill>
-                </a:uFill>
-                <a:latin typeface="Calibri"/>
-                <a:ea typeface="DejaVu Sans"/>
-              </a:rPr>
-              <a:t>create</a:t>
-            </a:r>
-            <a:endParaRPr b="0" lang="en-US" sz="1800" spc="-1" strike="noStrike">
-              <a:solidFill>
-                <a:srgbClr val="000000"/>
-              </a:solidFill>
-              <a:uFill>
-                <a:solidFill>
-                  <a:srgbClr val="ffffff"/>
-                </a:solidFill>
-              </a:uFill>
-              <a:latin typeface="Arial"/>
-            </a:endParaRPr>
-          </a:p>
-        </p:txBody>
-      </p:sp>
-      <p:sp>
-        <p:nvSpPr>
-          <p:cNvPr id="48" name="Line 15"/>
+          <p:cNvPr id="49" name="Line 14"/>
           <p:cNvSpPr/>
           <p:nvPr/>
         </p:nvSpPr>
@@ -2457,7 +2714,7 @@
       </p:sp>
       <p:sp>
         <p:nvSpPr>
-          <p:cNvPr id="49" name="Line 16"/>
+          <p:cNvPr id="50" name="Line 15"/>
           <p:cNvSpPr/>
           <p:nvPr/>
         </p:nvSpPr>
@@ -2491,14 +2748,14 @@
       </p:sp>
       <p:sp>
         <p:nvSpPr>
-          <p:cNvPr id="50" name="CustomShape 17"/>
+          <p:cNvPr id="51" name="CustomShape 16"/>
           <p:cNvSpPr/>
           <p:nvPr/>
         </p:nvSpPr>
         <p:spPr>
           <a:xfrm>
             <a:off x="3029760" y="2797920"/>
-            <a:ext cx="871560" cy="407160"/>
+            <a:ext cx="871200" cy="406800"/>
           </a:xfrm>
           <a:prstGeom prst="rect">
             <a:avLst/>
@@ -2553,14 +2810,14 @@
       </p:sp>
       <p:sp>
         <p:nvSpPr>
-          <p:cNvPr id="51" name="CustomShape 18"/>
+          <p:cNvPr id="52" name="CustomShape 17"/>
           <p:cNvSpPr/>
           <p:nvPr/>
         </p:nvSpPr>
         <p:spPr>
           <a:xfrm>
             <a:off x="3013200" y="3062880"/>
-            <a:ext cx="871560" cy="407160"/>
+            <a:ext cx="871200" cy="406800"/>
           </a:xfrm>
           <a:prstGeom prst="rect">
             <a:avLst/>
@@ -2598,6 +2855,130 @@
                 <a:ea typeface="DejaVu Sans"/>
               </a:rPr>
               <a:t>End   1</a:t>
+            </a:r>
+            <a:endParaRPr b="0" lang="en-US" sz="1800" spc="-1" strike="noStrike">
+              <a:solidFill>
+                <a:srgbClr val="000000"/>
+              </a:solidFill>
+              <a:uFill>
+                <a:solidFill>
+                  <a:srgbClr val="ffffff"/>
+                </a:solidFill>
+              </a:uFill>
+              <a:latin typeface="Arial"/>
+            </a:endParaRPr>
+          </a:p>
+        </p:txBody>
+      </p:sp>
+      <p:sp>
+        <p:nvSpPr>
+          <p:cNvPr id="53" name="CustomShape 18"/>
+          <p:cNvSpPr/>
+          <p:nvPr/>
+        </p:nvSpPr>
+        <p:spPr>
+          <a:xfrm>
+            <a:off x="6809760" y="2545920"/>
+            <a:ext cx="871200" cy="406800"/>
+          </a:xfrm>
+          <a:prstGeom prst="rect">
+            <a:avLst/>
+          </a:prstGeom>
+          <a:noFill/>
+          <a:ln>
+            <a:noFill/>
+          </a:ln>
+        </p:spPr>
+        <p:style>
+          <a:lnRef idx="0"/>
+          <a:fillRef idx="0"/>
+          <a:effectRef idx="0"/>
+          <a:fontRef idx="minor"/>
+        </p:style>
+        <p:txBody>
+          <a:bodyPr lIns="90000" rIns="90000" tIns="45000" bIns="45000"/>
+          <a:p>
+            <a:pPr algn="r">
+              <a:lnSpc>
+                <a:spcPct val="100000"/>
+              </a:lnSpc>
+            </a:pPr>
+            <a:r>
+              <a:rPr b="0" lang="en-US" sz="1100" spc="-1" strike="noStrike">
+                <a:solidFill>
+                  <a:srgbClr val="7030a0"/>
+                </a:solidFill>
+                <a:uFill>
+                  <a:solidFill>
+                    <a:srgbClr val="ffffff"/>
+                  </a:solidFill>
+                </a:uFill>
+                <a:latin typeface="Calibri"/>
+                <a:ea typeface="DejaVu Sans"/>
+              </a:rPr>
+              <a:t>creates</a:t>
+            </a:r>
+            <a:endParaRPr b="0" lang="en-US" sz="1800" spc="-1" strike="noStrike">
+              <a:solidFill>
+                <a:srgbClr val="000000"/>
+              </a:solidFill>
+              <a:uFill>
+                <a:solidFill>
+                  <a:srgbClr val="ffffff"/>
+                </a:solidFill>
+              </a:uFill>
+              <a:latin typeface="Arial"/>
+            </a:endParaRPr>
+          </a:p>
+        </p:txBody>
+      </p:sp>
+      <p:sp>
+        <p:nvSpPr>
+          <p:cNvPr id="54" name="CustomShape 19"/>
+          <p:cNvSpPr/>
+          <p:nvPr/>
+        </p:nvSpPr>
+        <p:spPr>
+          <a:xfrm>
+            <a:off x="6809760" y="3265920"/>
+            <a:ext cx="871200" cy="406800"/>
+          </a:xfrm>
+          <a:prstGeom prst="rect">
+            <a:avLst/>
+          </a:prstGeom>
+          <a:noFill/>
+          <a:ln>
+            <a:noFill/>
+          </a:ln>
+        </p:spPr>
+        <p:style>
+          <a:lnRef idx="0"/>
+          <a:fillRef idx="0"/>
+          <a:effectRef idx="0"/>
+          <a:fontRef idx="minor"/>
+        </p:style>
+        <p:txBody>
+          <a:bodyPr lIns="90000" rIns="90000" tIns="45000" bIns="45000"/>
+          <a:p>
+            <a:pPr algn="r">
+              <a:lnSpc>
+                <a:spcPct val="100000"/>
+              </a:lnSpc>
+            </a:pPr>
+            <a:r>
+              <a:rPr b="0" lang="en-US" sz="1100" spc="-1" strike="noStrike">
+                <a:solidFill>
+                  <a:srgbClr val="7030a0"/>
+                </a:solidFill>
+                <a:uFill>
+                  <a:solidFill>
+                    <a:srgbClr val="ffffff"/>
+                  </a:solidFill>
+                </a:uFill>
+                <a:latin typeface="Calibri"/>
+                <a:ea typeface="DejaVu Sans"/>
+              </a:rPr>
+              <a:t>creates</a:t>
             </a:r>
             <a:endParaRPr b="0" lang="en-US" sz="1800" spc="-1" strike="noStrike">
               <a:solidFill>
